--- a/presentations/archive/Engineering I.pptx
+++ b/presentations/archive/Engineering I.pptx
@@ -125,6 +125,11 @@
       </a:defRPr>
     </a:lvl9pPr>
   </p:defaultTextStyle>
+  <p:extLst>
+    <p:ext uri="{EFAFB233-063F-42B5-8137-9DF3F51BA10A}">
+      <p15:sldGuideLst xmlns:p15="http://schemas.microsoft.com/office/powerpoint/2012/main"/>
+    </p:ext>
+  </p:extLst>
 </p:presentation>
 </file>
 
@@ -210,7 +215,7 @@
           <a:p>
             <a:fld id="{65F3DB47-9A4D-104C-9BA5-D817A78744E2}" type="datetimeFigureOut">
               <a:rPr lang="en-US" smtClean="0"/>
-              <a:t>1/12/18</a:t>
+              <a:t>1/15/18</a:t>
             </a:fld>
             <a:endParaRPr lang="en-US"/>
           </a:p>
@@ -609,7 +614,7 @@
           <a:p>
             <a:fld id="{A0942F22-22E9-1C4D-A1D6-C60BA633AAB6}" type="datetimeFigureOut">
               <a:rPr lang="en-US" smtClean="0"/>
-              <a:t>1/12/18</a:t>
+              <a:t>1/15/18</a:t>
             </a:fld>
             <a:endParaRPr lang="en-US"/>
           </a:p>
@@ -779,7 +784,7 @@
           <a:p>
             <a:fld id="{A0942F22-22E9-1C4D-A1D6-C60BA633AAB6}" type="datetimeFigureOut">
               <a:rPr lang="en-US" smtClean="0"/>
-              <a:t>1/12/18</a:t>
+              <a:t>1/15/18</a:t>
             </a:fld>
             <a:endParaRPr lang="en-US"/>
           </a:p>
@@ -959,7 +964,7 @@
           <a:p>
             <a:fld id="{A0942F22-22E9-1C4D-A1D6-C60BA633AAB6}" type="datetimeFigureOut">
               <a:rPr lang="en-US" smtClean="0"/>
-              <a:t>1/12/18</a:t>
+              <a:t>1/15/18</a:t>
             </a:fld>
             <a:endParaRPr lang="en-US"/>
           </a:p>
@@ -1129,7 +1134,7 @@
           <a:p>
             <a:fld id="{A0942F22-22E9-1C4D-A1D6-C60BA633AAB6}" type="datetimeFigureOut">
               <a:rPr lang="en-US" smtClean="0"/>
-              <a:t>1/12/18</a:t>
+              <a:t>1/15/18</a:t>
             </a:fld>
             <a:endParaRPr lang="en-US"/>
           </a:p>
@@ -1375,7 +1380,7 @@
           <a:p>
             <a:fld id="{A0942F22-22E9-1C4D-A1D6-C60BA633AAB6}" type="datetimeFigureOut">
               <a:rPr lang="en-US" smtClean="0"/>
-              <a:t>1/12/18</a:t>
+              <a:t>1/15/18</a:t>
             </a:fld>
             <a:endParaRPr lang="en-US"/>
           </a:p>
@@ -1607,7 +1612,7 @@
           <a:p>
             <a:fld id="{A0942F22-22E9-1C4D-A1D6-C60BA633AAB6}" type="datetimeFigureOut">
               <a:rPr lang="en-US" smtClean="0"/>
-              <a:t>1/12/18</a:t>
+              <a:t>1/15/18</a:t>
             </a:fld>
             <a:endParaRPr lang="en-US"/>
           </a:p>
@@ -1974,7 +1979,7 @@
           <a:p>
             <a:fld id="{A0942F22-22E9-1C4D-A1D6-C60BA633AAB6}" type="datetimeFigureOut">
               <a:rPr lang="en-US" smtClean="0"/>
-              <a:t>1/12/18</a:t>
+              <a:t>1/15/18</a:t>
             </a:fld>
             <a:endParaRPr lang="en-US"/>
           </a:p>
@@ -2092,7 +2097,7 @@
           <a:p>
             <a:fld id="{A0942F22-22E9-1C4D-A1D6-C60BA633AAB6}" type="datetimeFigureOut">
               <a:rPr lang="en-US" smtClean="0"/>
-              <a:t>1/12/18</a:t>
+              <a:t>1/15/18</a:t>
             </a:fld>
             <a:endParaRPr lang="en-US"/>
           </a:p>
@@ -2187,7 +2192,7 @@
           <a:p>
             <a:fld id="{A0942F22-22E9-1C4D-A1D6-C60BA633AAB6}" type="datetimeFigureOut">
               <a:rPr lang="en-US" smtClean="0"/>
-              <a:t>1/12/18</a:t>
+              <a:t>1/15/18</a:t>
             </a:fld>
             <a:endParaRPr lang="en-US"/>
           </a:p>
@@ -2464,7 +2469,7 @@
           <a:p>
             <a:fld id="{A0942F22-22E9-1C4D-A1D6-C60BA633AAB6}" type="datetimeFigureOut">
               <a:rPr lang="en-US" smtClean="0"/>
-              <a:t>1/12/18</a:t>
+              <a:t>1/15/18</a:t>
             </a:fld>
             <a:endParaRPr lang="en-US"/>
           </a:p>
@@ -2717,7 +2722,7 @@
           <a:p>
             <a:fld id="{A0942F22-22E9-1C4D-A1D6-C60BA633AAB6}" type="datetimeFigureOut">
               <a:rPr lang="en-US" smtClean="0"/>
-              <a:t>1/12/18</a:t>
+              <a:t>1/15/18</a:t>
             </a:fld>
             <a:endParaRPr lang="en-US"/>
           </a:p>
@@ -2930,7 +2935,7 @@
           <a:p>
             <a:fld id="{A0942F22-22E9-1C4D-A1D6-C60BA633AAB6}" type="datetimeFigureOut">
               <a:rPr lang="en-US" smtClean="0"/>
-              <a:t>1/12/18</a:t>
+              <a:t>1/15/18</a:t>
             </a:fld>
             <a:endParaRPr lang="en-US"/>
           </a:p>
@@ -4341,7 +4346,6 @@
               <a:rPr lang="en-US" dirty="0" smtClean="0"/>
               <a:t>Subsystem requirements accomplish system requirements</a:t>
             </a:r>
-            <a:endParaRPr lang="en-US" dirty="0" smtClean="0"/>
           </a:p>
           <a:p>
             <a:endParaRPr lang="en-US" dirty="0"/>
@@ -5181,11 +5185,7 @@
           <a:p>
             <a:r>
               <a:rPr lang="en-US" dirty="0" smtClean="0"/>
-              <a:t>Recap: The </a:t>
-            </a:r>
-            <a:r>
-              <a:rPr lang="en-US" dirty="0" smtClean="0"/>
-              <a:t>CDIO Approach</a:t>
+              <a:t>Recap: The CDIO Approach</a:t>
             </a:r>
             <a:endParaRPr lang="en-US" dirty="0"/>
           </a:p>
@@ -5341,7 +5341,9 @@
         </p:nvSpPr>
         <p:spPr/>
         <p:txBody>
-          <a:bodyPr/>
+          <a:bodyPr>
+            <a:normAutofit lnSpcReduction="10000"/>
+          </a:bodyPr>
           <a:lstStyle/>
           <a:p>
             <a:pPr marL="514350" marR="0" lvl="0" indent="-514350" defTabSz="914400" eaLnBrk="1" fontAlgn="auto" latinLnBrk="0" hangingPunct="1">
@@ -5362,7 +5364,7 @@
               <a:defRPr/>
             </a:pPr>
             <a:r>
-              <a:rPr lang="en-US" dirty="0" smtClean="0"/>
+              <a:rPr lang="en-US" sz="3200" dirty="0" smtClean="0"/>
               <a:t>Get in groups of 3</a:t>
             </a:r>
           </a:p>
@@ -5385,7 +5387,7 @@
               <a:defRPr/>
             </a:pPr>
             <a:r>
-              <a:rPr lang="en-US" dirty="0" smtClean="0"/>
+              <a:rPr lang="en-US" sz="3200" dirty="0" smtClean="0"/>
               <a:t>Come up with a team name</a:t>
             </a:r>
           </a:p>
@@ -5408,9 +5410,140 @@
               <a:defRPr/>
             </a:pPr>
             <a:r>
-              <a:rPr lang="en-US" dirty="0" smtClean="0"/>
-              <a:t>Design something to get you from Karaganda to Astana </a:t>
-            </a:r>
+              <a:rPr lang="en-US" sz="3200" dirty="0" smtClean="0"/>
+              <a:t>Task:</a:t>
+            </a:r>
+          </a:p>
+          <a:p>
+            <a:pPr marL="971550" lvl="1" indent="-514350">
+              <a:lnSpc>
+                <a:spcPct val="100000"/>
+              </a:lnSpc>
+              <a:spcBef>
+                <a:spcPts val="0"/>
+              </a:spcBef>
+              <a:spcAft>
+                <a:spcPts val="600"/>
+              </a:spcAft>
+              <a:buFont typeface="+mj-lt"/>
+              <a:buAutoNum type="arabicPeriod"/>
+              <a:defRPr/>
+            </a:pPr>
+            <a:r>
+              <a:rPr lang="en-US" sz="2800" dirty="0" smtClean="0"/>
+              <a:t>Come up with 2 ways for one person to get from Karaganda to Astana</a:t>
+            </a:r>
+          </a:p>
+          <a:p>
+            <a:pPr marL="971550" lvl="1" indent="-514350">
+              <a:lnSpc>
+                <a:spcPct val="100000"/>
+              </a:lnSpc>
+              <a:spcBef>
+                <a:spcPts val="0"/>
+              </a:spcBef>
+              <a:spcAft>
+                <a:spcPts val="600"/>
+              </a:spcAft>
+              <a:buFont typeface="+mj-lt"/>
+              <a:buAutoNum type="arabicPeriod"/>
+              <a:defRPr/>
+            </a:pPr>
+            <a:r>
+              <a:rPr lang="en-US" sz="2800" dirty="0" smtClean="0"/>
+              <a:t>Be specific </a:t>
+            </a:r>
+            <a:r>
+              <a:rPr lang="mr-IN" sz="2800" dirty="0" smtClean="0"/>
+              <a:t>–</a:t>
+            </a:r>
+            <a:r>
+              <a:rPr lang="en-US" sz="2800" dirty="0" smtClean="0"/>
+              <a:t> </a:t>
+            </a:r>
+            <a:r>
+              <a:rPr lang="en-US" sz="2800" smtClean="0"/>
+              <a:t>describe in detail</a:t>
+            </a:r>
+            <a:endParaRPr lang="en-US" sz="2800" dirty="0" smtClean="0"/>
+          </a:p>
+          <a:p>
+            <a:pPr marL="1428750" lvl="2" indent="-514350">
+              <a:lnSpc>
+                <a:spcPct val="100000"/>
+              </a:lnSpc>
+              <a:spcBef>
+                <a:spcPts val="0"/>
+              </a:spcBef>
+              <a:spcAft>
+                <a:spcPts val="600"/>
+              </a:spcAft>
+              <a:buFont typeface="+mj-lt"/>
+              <a:buAutoNum type="arabicPeriod"/>
+              <a:defRPr/>
+            </a:pPr>
+            <a:r>
+              <a:rPr lang="en-US" dirty="0" smtClean="0"/>
+              <a:t>How long will it take?</a:t>
+            </a:r>
+          </a:p>
+          <a:p>
+            <a:pPr marL="1428750" lvl="2" indent="-514350">
+              <a:lnSpc>
+                <a:spcPct val="100000"/>
+              </a:lnSpc>
+              <a:spcBef>
+                <a:spcPts val="0"/>
+              </a:spcBef>
+              <a:spcAft>
+                <a:spcPts val="600"/>
+              </a:spcAft>
+              <a:buFont typeface="+mj-lt"/>
+              <a:buAutoNum type="arabicPeriod"/>
+              <a:defRPr/>
+            </a:pPr>
+            <a:r>
+              <a:rPr lang="en-US" dirty="0" smtClean="0"/>
+              <a:t>How much will it cost?</a:t>
+            </a:r>
+          </a:p>
+          <a:p>
+            <a:pPr marL="1428750" lvl="2" indent="-514350">
+              <a:lnSpc>
+                <a:spcPct val="100000"/>
+              </a:lnSpc>
+              <a:spcBef>
+                <a:spcPts val="0"/>
+              </a:spcBef>
+              <a:spcAft>
+                <a:spcPts val="600"/>
+              </a:spcAft>
+              <a:buFont typeface="+mj-lt"/>
+              <a:buAutoNum type="arabicPeriod"/>
+              <a:defRPr/>
+            </a:pPr>
+            <a:r>
+              <a:rPr lang="en-US" dirty="0" smtClean="0"/>
+              <a:t>Why is this the best option?</a:t>
+            </a:r>
+            <a:endParaRPr lang="en-US" dirty="0" smtClean="0"/>
+          </a:p>
+          <a:p>
+            <a:pPr marL="1428750" lvl="2" indent="-514350">
+              <a:lnSpc>
+                <a:spcPct val="100000"/>
+              </a:lnSpc>
+              <a:spcBef>
+                <a:spcPts val="0"/>
+              </a:spcBef>
+              <a:spcAft>
+                <a:spcPts val="600"/>
+              </a:spcAft>
+              <a:buFont typeface="+mj-lt"/>
+              <a:buAutoNum type="arabicPeriod"/>
+              <a:defRPr/>
+            </a:pPr>
+            <a:endParaRPr lang="en-US" dirty="0" smtClean="0"/>
           </a:p>
           <a:p>
             <a:pPr marL="514350" marR="0" lvl="0" indent="-514350" defTabSz="914400" eaLnBrk="1" fontAlgn="auto" latinLnBrk="0" hangingPunct="1">
@@ -5430,7 +5563,7 @@
               <a:tabLst/>
               <a:defRPr/>
             </a:pPr>
-            <a:endParaRPr lang="en-US" dirty="0" smtClean="0"/>
+            <a:endParaRPr lang="en-US" sz="3200" dirty="0" smtClean="0"/>
           </a:p>
           <a:p>
             <a:pPr marL="0" marR="0" lvl="0" indent="0" defTabSz="914400" eaLnBrk="1" fontAlgn="auto" latinLnBrk="0" hangingPunct="1">
@@ -5450,7 +5583,7 @@
               <a:tabLst/>
               <a:defRPr/>
             </a:pPr>
-            <a:endParaRPr lang="en-US" dirty="0"/>
+            <a:endParaRPr lang="en-US" sz="3200" dirty="0"/>
           </a:p>
         </p:txBody>
       </p:sp>
